--- a/Electric Vehicle Presentation.pptx
+++ b/Electric Vehicle Presentation.pptx
@@ -7,8 +7,7 @@
   <p:sldIdLst>
     <p:sldId id="256" r:id="rId2"/>
     <p:sldId id="257" r:id="rId3"/>
-    <p:sldId id="258" r:id="rId4"/>
-    <p:sldId id="259" r:id="rId5"/>
+    <p:sldId id="259" r:id="rId4"/>
   </p:sldIdLst>
   <p:sldSz cx="12192000" cy="6858000"/>
   <p:notesSz cx="6858000" cy="9144000"/>
@@ -107,6 +106,11 @@
       </a:defRPr>
     </a:lvl9pPr>
   </p:defaultTextStyle>
+  <p:extLst>
+    <p:ext uri="{EFAFB233-063F-42B5-8137-9DF3F51BA10A}">
+      <p15:sldGuideLst xmlns:p15="http://schemas.microsoft.com/office/powerpoint/2012/main"/>
+    </p:ext>
+  </p:extLst>
 </p:presentation>
 </file>
 
@@ -259,7 +263,7 @@
           <a:p>
             <a:fld id="{564BBF06-5B1F-4A04-BE25-D940959E4FD8}" type="datetimeFigureOut">
               <a:rPr lang="en-IN" smtClean="0"/>
-              <a:t>05-02-2024</a:t>
+              <a:t>15-05-2025</a:t>
             </a:fld>
             <a:endParaRPr lang="en-IN"/>
           </a:p>
@@ -459,7 +463,7 @@
           <a:p>
             <a:fld id="{564BBF06-5B1F-4A04-BE25-D940959E4FD8}" type="datetimeFigureOut">
               <a:rPr lang="en-IN" smtClean="0"/>
-              <a:t>05-02-2024</a:t>
+              <a:t>15-05-2025</a:t>
             </a:fld>
             <a:endParaRPr lang="en-IN"/>
           </a:p>
@@ -669,7 +673,7 @@
           <a:p>
             <a:fld id="{564BBF06-5B1F-4A04-BE25-D940959E4FD8}" type="datetimeFigureOut">
               <a:rPr lang="en-IN" smtClean="0"/>
-              <a:t>05-02-2024</a:t>
+              <a:t>15-05-2025</a:t>
             </a:fld>
             <a:endParaRPr lang="en-IN"/>
           </a:p>
@@ -869,7 +873,7 @@
           <a:p>
             <a:fld id="{564BBF06-5B1F-4A04-BE25-D940959E4FD8}" type="datetimeFigureOut">
               <a:rPr lang="en-IN" smtClean="0"/>
-              <a:t>05-02-2024</a:t>
+              <a:t>15-05-2025</a:t>
             </a:fld>
             <a:endParaRPr lang="en-IN"/>
           </a:p>
@@ -1145,7 +1149,7 @@
           <a:p>
             <a:fld id="{564BBF06-5B1F-4A04-BE25-D940959E4FD8}" type="datetimeFigureOut">
               <a:rPr lang="en-IN" smtClean="0"/>
-              <a:t>05-02-2024</a:t>
+              <a:t>15-05-2025</a:t>
             </a:fld>
             <a:endParaRPr lang="en-IN"/>
           </a:p>
@@ -1413,7 +1417,7 @@
           <a:p>
             <a:fld id="{564BBF06-5B1F-4A04-BE25-D940959E4FD8}" type="datetimeFigureOut">
               <a:rPr lang="en-IN" smtClean="0"/>
-              <a:t>05-02-2024</a:t>
+              <a:t>15-05-2025</a:t>
             </a:fld>
             <a:endParaRPr lang="en-IN"/>
           </a:p>
@@ -1828,7 +1832,7 @@
           <a:p>
             <a:fld id="{564BBF06-5B1F-4A04-BE25-D940959E4FD8}" type="datetimeFigureOut">
               <a:rPr lang="en-IN" smtClean="0"/>
-              <a:t>05-02-2024</a:t>
+              <a:t>15-05-2025</a:t>
             </a:fld>
             <a:endParaRPr lang="en-IN"/>
           </a:p>
@@ -1970,7 +1974,7 @@
           <a:p>
             <a:fld id="{564BBF06-5B1F-4A04-BE25-D940959E4FD8}" type="datetimeFigureOut">
               <a:rPr lang="en-IN" smtClean="0"/>
-              <a:t>05-02-2024</a:t>
+              <a:t>15-05-2025</a:t>
             </a:fld>
             <a:endParaRPr lang="en-IN"/>
           </a:p>
@@ -2083,7 +2087,7 @@
           <a:p>
             <a:fld id="{564BBF06-5B1F-4A04-BE25-D940959E4FD8}" type="datetimeFigureOut">
               <a:rPr lang="en-IN" smtClean="0"/>
-              <a:t>05-02-2024</a:t>
+              <a:t>15-05-2025</a:t>
             </a:fld>
             <a:endParaRPr lang="en-IN"/>
           </a:p>
@@ -2396,7 +2400,7 @@
           <a:p>
             <a:fld id="{564BBF06-5B1F-4A04-BE25-D940959E4FD8}" type="datetimeFigureOut">
               <a:rPr lang="en-IN" smtClean="0"/>
-              <a:t>05-02-2024</a:t>
+              <a:t>15-05-2025</a:t>
             </a:fld>
             <a:endParaRPr lang="en-IN"/>
           </a:p>
@@ -2685,7 +2689,7 @@
           <a:p>
             <a:fld id="{564BBF06-5B1F-4A04-BE25-D940959E4FD8}" type="datetimeFigureOut">
               <a:rPr lang="en-IN" smtClean="0"/>
-              <a:t>05-02-2024</a:t>
+              <a:t>15-05-2025</a:t>
             </a:fld>
             <a:endParaRPr lang="en-IN"/>
           </a:p>
@@ -2928,7 +2932,7 @@
           <a:p>
             <a:fld id="{564BBF06-5B1F-4A04-BE25-D940959E4FD8}" type="datetimeFigureOut">
               <a:rPr lang="en-IN" smtClean="0"/>
-              <a:t>05-02-2024</a:t>
+              <a:t>15-05-2025</a:t>
             </a:fld>
             <a:endParaRPr lang="en-IN"/>
           </a:p>
@@ -3684,42 +3688,6 @@
           </a:p>
         </p:txBody>
       </p:sp>
-      <p:pic>
-        <p:nvPicPr>
-          <p:cNvPr id="9" name="Picture 8">
-            <a:extLst>
-              <a:ext uri="{FF2B5EF4-FFF2-40B4-BE49-F238E27FC236}">
-                <a16:creationId xmlns:a16="http://schemas.microsoft.com/office/drawing/2014/main" id="{1A354EEE-D1DA-B518-1999-28AC72352F01}"/>
-              </a:ext>
-            </a:extLst>
-          </p:cNvPr>
-          <p:cNvPicPr>
-            <a:picLocks noChangeAspect="1"/>
-          </p:cNvPicPr>
-          <p:nvPr/>
-        </p:nvPicPr>
-        <p:blipFill>
-          <a:blip r:embed="rId3">
-            <a:extLst>
-              <a:ext uri="{28A0092B-C50C-407E-A947-70E740481C1C}">
-                <a14:useLocalDpi xmlns:a14="http://schemas.microsoft.com/office/drawing/2010/main" val="0"/>
-              </a:ext>
-            </a:extLst>
-          </a:blip>
-          <a:stretch>
-            <a:fillRect/>
-          </a:stretch>
-        </p:blipFill>
-        <p:spPr>
-          <a:xfrm>
-            <a:off x="11095721" y="97408"/>
-            <a:ext cx="966883" cy="697319"/>
-          </a:xfrm>
-          <a:prstGeom prst="rect">
-            <a:avLst/>
-          </a:prstGeom>
-        </p:spPr>
-      </p:pic>
     </p:spTree>
     <p:extLst>
       <p:ext uri="{BB962C8B-B14F-4D97-AF65-F5344CB8AC3E}">
@@ -4127,42 +4095,6 @@
           </a:p>
         </p:txBody>
       </p:sp>
-      <p:pic>
-        <p:nvPicPr>
-          <p:cNvPr id="3" name="Picture 2">
-            <a:extLst>
-              <a:ext uri="{FF2B5EF4-FFF2-40B4-BE49-F238E27FC236}">
-                <a16:creationId xmlns:a16="http://schemas.microsoft.com/office/drawing/2014/main" id="{F4C9D5E0-78E1-EEB6-F1D8-6AD72ABE0E1A}"/>
-              </a:ext>
-            </a:extLst>
-          </p:cNvPr>
-          <p:cNvPicPr>
-            <a:picLocks noChangeAspect="1"/>
-          </p:cNvPicPr>
-          <p:nvPr/>
-        </p:nvPicPr>
-        <p:blipFill>
-          <a:blip r:embed="rId3">
-            <a:extLst>
-              <a:ext uri="{28A0092B-C50C-407E-A947-70E740481C1C}">
-                <a14:useLocalDpi xmlns:a14="http://schemas.microsoft.com/office/drawing/2010/main" val="0"/>
-              </a:ext>
-            </a:extLst>
-          </a:blip>
-          <a:stretch>
-            <a:fillRect/>
-          </a:stretch>
-        </p:blipFill>
-        <p:spPr>
-          <a:xfrm>
-            <a:off x="11095721" y="97408"/>
-            <a:ext cx="966883" cy="697319"/>
-          </a:xfrm>
-          <a:prstGeom prst="rect">
-            <a:avLst/>
-          </a:prstGeom>
-        </p:spPr>
-      </p:pic>
     </p:spTree>
     <p:extLst>
       <p:ext uri="{BB962C8B-B14F-4D97-AF65-F5344CB8AC3E}">
@@ -4177,201 +4109,6 @@
 </file>
 
 <file path=ppt/slides/slide3.xml><?xml version="1.0" encoding="utf-8"?>
-<p:sld xmlns:a="http://schemas.openxmlformats.org/drawingml/2006/main" xmlns:r="http://schemas.openxmlformats.org/officeDocument/2006/relationships" xmlns:p="http://schemas.openxmlformats.org/presentationml/2006/main">
-  <p:cSld>
-    <p:bg>
-      <p:bgPr>
-        <a:solidFill>
-          <a:srgbClr val="2C451B"/>
-        </a:solidFill>
-        <a:effectLst/>
-      </p:bgPr>
-    </p:bg>
-    <p:spTree>
-      <p:nvGrpSpPr>
-        <p:cNvPr id="1" name="">
-          <a:extLst>
-            <a:ext uri="{FF2B5EF4-FFF2-40B4-BE49-F238E27FC236}">
-              <a16:creationId xmlns:a16="http://schemas.microsoft.com/office/drawing/2014/main" id="{87FB6907-22FF-C3B9-BB54-3B90819FBE74}"/>
-            </a:ext>
-          </a:extLst>
-        </p:cNvPr>
-        <p:cNvGrpSpPr/>
-        <p:nvPr/>
-      </p:nvGrpSpPr>
-      <p:grpSpPr>
-        <a:xfrm>
-          <a:off x="0" y="0"/>
-          <a:ext cx="0" cy="0"/>
-          <a:chOff x="0" y="0"/>
-          <a:chExt cx="0" cy="0"/>
-        </a:xfrm>
-      </p:grpSpPr>
-      <p:pic>
-        <p:nvPicPr>
-          <p:cNvPr id="5" name="Picture 4">
-            <a:extLst>
-              <a:ext uri="{FF2B5EF4-FFF2-40B4-BE49-F238E27FC236}">
-                <a16:creationId xmlns:a16="http://schemas.microsoft.com/office/drawing/2014/main" id="{F411CD3D-DECF-0CC3-BF94-327D75D181EA}"/>
-              </a:ext>
-            </a:extLst>
-          </p:cNvPr>
-          <p:cNvPicPr>
-            <a:picLocks noChangeAspect="1"/>
-          </p:cNvPicPr>
-          <p:nvPr/>
-        </p:nvPicPr>
-        <p:blipFill>
-          <a:blip r:embed="rId2">
-            <a:alphaModFix amt="5000"/>
-          </a:blip>
-          <a:stretch>
-            <a:fillRect/>
-          </a:stretch>
-        </p:blipFill>
-        <p:spPr>
-          <a:xfrm>
-            <a:off x="82" y="0"/>
-            <a:ext cx="12191918" cy="6858000"/>
-          </a:xfrm>
-          <a:prstGeom prst="rect">
-            <a:avLst/>
-          </a:prstGeom>
-        </p:spPr>
-      </p:pic>
-      <p:pic>
-        <p:nvPicPr>
-          <p:cNvPr id="2" name="Picture 1">
-            <a:extLst>
-              <a:ext uri="{FF2B5EF4-FFF2-40B4-BE49-F238E27FC236}">
-                <a16:creationId xmlns:a16="http://schemas.microsoft.com/office/drawing/2014/main" id="{A56911CF-B213-B506-38E7-3F86D882622E}"/>
-              </a:ext>
-            </a:extLst>
-          </p:cNvPr>
-          <p:cNvPicPr>
-            <a:picLocks noChangeAspect="1"/>
-          </p:cNvPicPr>
-          <p:nvPr/>
-        </p:nvPicPr>
-        <p:blipFill>
-          <a:blip r:embed="rId3">
-            <a:extLst>
-              <a:ext uri="{28A0092B-C50C-407E-A947-70E740481C1C}">
-                <a14:useLocalDpi xmlns:a14="http://schemas.microsoft.com/office/drawing/2010/main" val="0"/>
-              </a:ext>
-            </a:extLst>
-          </a:blip>
-          <a:stretch>
-            <a:fillRect/>
-          </a:stretch>
-        </p:blipFill>
-        <p:spPr>
-          <a:xfrm>
-            <a:off x="5129117" y="218501"/>
-            <a:ext cx="1933766" cy="1394638"/>
-          </a:xfrm>
-          <a:prstGeom prst="rect">
-            <a:avLst/>
-          </a:prstGeom>
-        </p:spPr>
-      </p:pic>
-      <p:pic>
-        <p:nvPicPr>
-          <p:cNvPr id="3" name="Picture 4" descr="Subscribe button with like comment and share icon free png 19818545 PNG">
-            <a:extLst>
-              <a:ext uri="{FF2B5EF4-FFF2-40B4-BE49-F238E27FC236}">
-                <a16:creationId xmlns:a16="http://schemas.microsoft.com/office/drawing/2014/main" id="{819FF12A-933E-779E-612A-8DFA20A62742}"/>
-              </a:ext>
-            </a:extLst>
-          </p:cNvPr>
-          <p:cNvPicPr>
-            <a:picLocks noChangeAspect="1" noChangeArrowheads="1"/>
-          </p:cNvPicPr>
-          <p:nvPr/>
-        </p:nvPicPr>
-        <p:blipFill>
-          <a:blip r:embed="rId4">
-            <a:extLst>
-              <a:ext uri="{28A0092B-C50C-407E-A947-70E740481C1C}">
-                <a14:useLocalDpi xmlns:a14="http://schemas.microsoft.com/office/drawing/2010/main" val="0"/>
-              </a:ext>
-            </a:extLst>
-          </a:blip>
-          <a:srcRect/>
-          <a:stretch>
-            <a:fillRect/>
-          </a:stretch>
-        </p:blipFill>
-        <p:spPr bwMode="auto">
-          <a:xfrm>
-            <a:off x="3144327" y="3318869"/>
-            <a:ext cx="5903343" cy="3320630"/>
-          </a:xfrm>
-          <a:prstGeom prst="rect">
-            <a:avLst/>
-          </a:prstGeom>
-          <a:noFill/>
-          <a:extLst>
-            <a:ext uri="{909E8E84-426E-40DD-AFC4-6F175D3DCCD1}">
-              <a14:hiddenFill xmlns:a14="http://schemas.microsoft.com/office/drawing/2010/main">
-                <a:solidFill>
-                  <a:srgbClr val="FFFFFF"/>
-                </a:solidFill>
-              </a14:hiddenFill>
-            </a:ext>
-          </a:extLst>
-        </p:spPr>
-      </p:pic>
-      <p:pic>
-        <p:nvPicPr>
-          <p:cNvPr id="10" name="Picture 9">
-            <a:extLst>
-              <a:ext uri="{FF2B5EF4-FFF2-40B4-BE49-F238E27FC236}">
-                <a16:creationId xmlns:a16="http://schemas.microsoft.com/office/drawing/2014/main" id="{D7982A6D-9DE7-9BF3-3449-DEFCCCE6D36C}"/>
-              </a:ext>
-            </a:extLst>
-          </p:cNvPr>
-          <p:cNvPicPr>
-            <a:picLocks noChangeAspect="1"/>
-          </p:cNvPicPr>
-          <p:nvPr/>
-        </p:nvPicPr>
-        <p:blipFill>
-          <a:blip r:embed="rId5">
-            <a:extLst>
-              <a:ext uri="{28A0092B-C50C-407E-A947-70E740481C1C}">
-                <a14:useLocalDpi xmlns:a14="http://schemas.microsoft.com/office/drawing/2010/main" val="0"/>
-              </a:ext>
-            </a:extLst>
-          </a:blip>
-          <a:stretch>
-            <a:fillRect/>
-          </a:stretch>
-        </p:blipFill>
-        <p:spPr>
-          <a:xfrm>
-            <a:off x="1665309" y="1883919"/>
-            <a:ext cx="8861381" cy="2552380"/>
-          </a:xfrm>
-          <a:prstGeom prst="rect">
-            <a:avLst/>
-          </a:prstGeom>
-        </p:spPr>
-      </p:pic>
-    </p:spTree>
-    <p:extLst>
-      <p:ext uri="{BB962C8B-B14F-4D97-AF65-F5344CB8AC3E}">
-        <p14:creationId xmlns:p14="http://schemas.microsoft.com/office/powerpoint/2010/main" val="3319379367"/>
-      </p:ext>
-    </p:extLst>
-  </p:cSld>
-  <p:clrMapOvr>
-    <a:masterClrMapping/>
-  </p:clrMapOvr>
-</p:sld>
-</file>
-
-<file path=ppt/slides/slide4.xml><?xml version="1.0" encoding="utf-8"?>
 <p:sld xmlns:a="http://schemas.openxmlformats.org/drawingml/2006/main" xmlns:r="http://schemas.openxmlformats.org/officeDocument/2006/relationships" xmlns:p="http://schemas.openxmlformats.org/presentationml/2006/main">
   <p:cSld>
     <p:bg>
@@ -4540,7 +4277,7 @@
                 </a:solidFill>
                 <a:latin typeface="Century Gothic" panose="020B0502020202020204" pitchFamily="34" charset="0"/>
               </a:rPr>
-              <a:t>2. POWER BI</a:t>
+              <a:t>2. Tableau Desktop </a:t>
             </a:r>
             <a:r>
               <a:rPr lang="en-IN" sz="2500" b="1" dirty="0">
@@ -4563,47 +4300,11 @@
                 </a:solidFill>
                 <a:latin typeface="Century Gothic" panose="020B0502020202020204" pitchFamily="34" charset="0"/>
               </a:rPr>
-              <a:t>Dec 2023 Version </a:t>
-            </a:r>
-          </a:p>
-        </p:txBody>
-      </p:sp>
-      <p:pic>
-        <p:nvPicPr>
-          <p:cNvPr id="8" name="Picture 7">
-            <a:extLst>
-              <a:ext uri="{FF2B5EF4-FFF2-40B4-BE49-F238E27FC236}">
-                <a16:creationId xmlns:a16="http://schemas.microsoft.com/office/drawing/2014/main" id="{92457DF5-A000-2D33-4C69-70F35BBE52B3}"/>
-              </a:ext>
-            </a:extLst>
-          </p:cNvPr>
-          <p:cNvPicPr>
-            <a:picLocks noChangeAspect="1"/>
-          </p:cNvPicPr>
-          <p:nvPr/>
-        </p:nvPicPr>
-        <p:blipFill>
-          <a:blip r:embed="rId3">
-            <a:extLst>
-              <a:ext uri="{28A0092B-C50C-407E-A947-70E740481C1C}">
-                <a14:useLocalDpi xmlns:a14="http://schemas.microsoft.com/office/drawing/2010/main" val="0"/>
-              </a:ext>
-            </a:extLst>
-          </a:blip>
-          <a:stretch>
-            <a:fillRect/>
-          </a:stretch>
-        </p:blipFill>
-        <p:spPr>
-          <a:xfrm>
-            <a:off x="11095721" y="97408"/>
-            <a:ext cx="966883" cy="697319"/>
-          </a:xfrm>
-          <a:prstGeom prst="rect">
-            <a:avLst/>
-          </a:prstGeom>
-        </p:spPr>
-      </p:pic>
+              <a:t>25.1 Version </a:t>
+            </a:r>
+          </a:p>
+        </p:txBody>
+      </p:sp>
     </p:spTree>
     <p:extLst>
       <p:ext uri="{BB962C8B-B14F-4D97-AF65-F5344CB8AC3E}">
